--- a/materials/Claude-by-Anthropic-in-PowerPoint.pptx
+++ b/materials/Claude-by-Anthropic-in-PowerPoint.pptx
@@ -303,7 +303,7 @@
           <a:p>
             <a:fld id="{37A2730A-859E-B540-ADF3-E97069AD1FDB}" type="datetimeFigureOut">
               <a:rPr lang="en-US" smtClean="0"/>
-              <a:t>2/17/26</a:t>
+              <a:t>2/19/26</a:t>
             </a:fld>
             <a:endParaRPr lang="en-US"/>
           </a:p>
@@ -501,7 +501,7 @@
           <a:p>
             <a:fld id="{37A2730A-859E-B540-ADF3-E97069AD1FDB}" type="datetimeFigureOut">
               <a:rPr lang="en-US" smtClean="0"/>
-              <a:t>2/17/26</a:t>
+              <a:t>2/19/26</a:t>
             </a:fld>
             <a:endParaRPr lang="en-US"/>
           </a:p>
@@ -709,7 +709,7 @@
           <a:p>
             <a:fld id="{37A2730A-859E-B540-ADF3-E97069AD1FDB}" type="datetimeFigureOut">
               <a:rPr lang="en-US" smtClean="0"/>
-              <a:t>2/17/26</a:t>
+              <a:t>2/19/26</a:t>
             </a:fld>
             <a:endParaRPr lang="en-US"/>
           </a:p>
@@ -907,7 +907,7 @@
           <a:p>
             <a:fld id="{37A2730A-859E-B540-ADF3-E97069AD1FDB}" type="datetimeFigureOut">
               <a:rPr lang="en-US" smtClean="0"/>
-              <a:t>2/17/26</a:t>
+              <a:t>2/19/26</a:t>
             </a:fld>
             <a:endParaRPr lang="en-US"/>
           </a:p>
@@ -1182,7 +1182,7 @@
           <a:p>
             <a:fld id="{37A2730A-859E-B540-ADF3-E97069AD1FDB}" type="datetimeFigureOut">
               <a:rPr lang="en-US" smtClean="0"/>
-              <a:t>2/17/26</a:t>
+              <a:t>2/19/26</a:t>
             </a:fld>
             <a:endParaRPr lang="en-US"/>
           </a:p>
@@ -1447,7 +1447,7 @@
           <a:p>
             <a:fld id="{37A2730A-859E-B540-ADF3-E97069AD1FDB}" type="datetimeFigureOut">
               <a:rPr lang="en-US" smtClean="0"/>
-              <a:t>2/17/26</a:t>
+              <a:t>2/19/26</a:t>
             </a:fld>
             <a:endParaRPr lang="en-US"/>
           </a:p>
@@ -1859,7 +1859,7 @@
           <a:p>
             <a:fld id="{37A2730A-859E-B540-ADF3-E97069AD1FDB}" type="datetimeFigureOut">
               <a:rPr lang="en-US" smtClean="0"/>
-              <a:t>2/17/26</a:t>
+              <a:t>2/19/26</a:t>
             </a:fld>
             <a:endParaRPr lang="en-US"/>
           </a:p>
@@ -2000,7 +2000,7 @@
           <a:p>
             <a:fld id="{37A2730A-859E-B540-ADF3-E97069AD1FDB}" type="datetimeFigureOut">
               <a:rPr lang="en-US" smtClean="0"/>
-              <a:t>2/17/26</a:t>
+              <a:t>2/19/26</a:t>
             </a:fld>
             <a:endParaRPr lang="en-US"/>
           </a:p>
@@ -2113,7 +2113,7 @@
           <a:p>
             <a:fld id="{37A2730A-859E-B540-ADF3-E97069AD1FDB}" type="datetimeFigureOut">
               <a:rPr lang="en-US" smtClean="0"/>
-              <a:t>2/17/26</a:t>
+              <a:t>2/19/26</a:t>
             </a:fld>
             <a:endParaRPr lang="en-US"/>
           </a:p>
@@ -2424,7 +2424,7 @@
           <a:p>
             <a:fld id="{37A2730A-859E-B540-ADF3-E97069AD1FDB}" type="datetimeFigureOut">
               <a:rPr lang="en-US" smtClean="0"/>
-              <a:t>2/17/26</a:t>
+              <a:t>2/19/26</a:t>
             </a:fld>
             <a:endParaRPr lang="en-US"/>
           </a:p>
@@ -2712,7 +2712,7 @@
           <a:p>
             <a:fld id="{37A2730A-859E-B540-ADF3-E97069AD1FDB}" type="datetimeFigureOut">
               <a:rPr lang="en-US" smtClean="0"/>
-              <a:t>2/17/26</a:t>
+              <a:t>2/19/26</a:t>
             </a:fld>
             <a:endParaRPr lang="en-US"/>
           </a:p>
@@ -2956,7 +2956,7 @@
           <a:p>
             <a:fld id="{37A2730A-859E-B540-ADF3-E97069AD1FDB}" type="datetimeFigureOut">
               <a:rPr lang="en-US" smtClean="0"/>
-              <a:t>2/17/26</a:t>
+              <a:t>2/19/26</a:t>
             </a:fld>
             <a:endParaRPr lang="en-US"/>
           </a:p>
@@ -47962,6 +47962,15 @@
 </file>
 
 <file path=customXml/item1.xml><?xml version="1.0" encoding="utf-8"?>
+<?mso-contentType ?>
+<FormTemplates xmlns="http://schemas.microsoft.com/sharepoint/v3/contenttype/forms">
+  <Display>DocumentLibraryForm</Display>
+  <Edit>DocumentLibraryForm</Edit>
+  <New>DocumentLibraryForm</New>
+</FormTemplates>
+</file>
+
+<file path=customXml/item2.xml><?xml version="1.0" encoding="utf-8"?>
 <ct:contentTypeSchema xmlns:ct="http://schemas.microsoft.com/office/2006/metadata/contentType" xmlns:ma="http://schemas.microsoft.com/office/2006/metadata/properties/metaAttributes" ct:_="" ma:_="" ma:contentTypeName="Document" ma:contentTypeID="0x010100CD401524DC532D42A0E0ED886331A72B" ma:contentTypeVersion="13" ma:contentTypeDescription="Create a new document." ma:contentTypeScope="" ma:versionID="d936d863d335d354da51eb78ca1ae338">
   <xsd:schema xmlns:xsd="http://www.w3.org/2001/XMLSchema" xmlns:xs="http://www.w3.org/2001/XMLSchema" xmlns:p="http://schemas.microsoft.com/office/2006/metadata/properties" xmlns:ns2="f577acbf-5b0b-4b4f-9948-268e97f8d3a4" xmlns:ns3="b1e4d6ee-9f6f-43f8-a618-24f3d84da28f" targetNamespace="http://schemas.microsoft.com/office/2006/metadata/properties" ma:root="true" ma:fieldsID="5fbac08d56b1b04aa33acbc31e882ce9" ns2:_="" ns3:_="">
     <xsd:import namespace="f577acbf-5b0b-4b4f-9948-268e97f8d3a4"/>
@@ -48205,15 +48214,6 @@
 </ct:contentTypeSchema>
 </file>
 
-<file path=customXml/item2.xml><?xml version="1.0" encoding="utf-8"?>
-<?mso-contentType ?>
-<FormTemplates xmlns="http://schemas.microsoft.com/sharepoint/v3/contenttype/forms">
-  <Display>DocumentLibraryForm</Display>
-  <Edit>DocumentLibraryForm</Edit>
-  <New>DocumentLibraryForm</New>
-</FormTemplates>
-</file>
-
 <file path=customXml/item3.xml><?xml version="1.0" encoding="utf-8"?>
 <p:properties xmlns:p="http://schemas.microsoft.com/office/2006/metadata/properties" xmlns:xsi="http://www.w3.org/2001/XMLSchema-instance" xmlns:pc="http://schemas.microsoft.com/office/infopath/2007/PartnerControls">
   <documentManagement>
@@ -48224,6 +48224,14 @@
 </file>
 
 <file path=customXml/itemProps1.xml><?xml version="1.0" encoding="utf-8"?>
+<ds:datastoreItem xmlns:ds="http://schemas.openxmlformats.org/officeDocument/2006/customXml" ds:itemID="{E21AFCC0-734A-4A90-A597-A1CB34860DCD}">
+  <ds:schemaRefs>
+    <ds:schemaRef ds:uri="http://schemas.microsoft.com/sharepoint/v3/contenttype/forms"/>
+  </ds:schemaRefs>
+</ds:datastoreItem>
+</file>
+
+<file path=customXml/itemProps2.xml><?xml version="1.0" encoding="utf-8"?>
 <ds:datastoreItem xmlns:ds="http://schemas.openxmlformats.org/officeDocument/2006/customXml" ds:itemID="{A79EAE08-AAD0-49B9-BF66-164C225CC523}">
   <ds:schemaRefs>
     <ds:schemaRef ds:uri="http://schemas.microsoft.com/office/2006/metadata/contentType"/>
@@ -48238,14 +48246,6 @@
     <ds:schemaRef ds:uri="http://purl.org/dc/elements/1.1/"/>
     <ds:schemaRef ds:uri="http://purl.org/dc/terms/"/>
     <ds:schemaRef ds:uri="http://schemas.microsoft.com/internal/obd"/>
-  </ds:schemaRefs>
-</ds:datastoreItem>
-</file>
-
-<file path=customXml/itemProps2.xml><?xml version="1.0" encoding="utf-8"?>
-<ds:datastoreItem xmlns:ds="http://schemas.openxmlformats.org/officeDocument/2006/customXml" ds:itemID="{E21AFCC0-734A-4A90-A597-A1CB34860DCD}">
-  <ds:schemaRefs>
-    <ds:schemaRef ds:uri="http://schemas.microsoft.com/sharepoint/v3/contenttype/forms"/>
   </ds:schemaRefs>
 </ds:datastoreItem>
 </file>
